--- a/styleguide/thayer-slideshow-template-standard.pptx
+++ b/styleguide/thayer-slideshow-template-standard.pptx
@@ -125,6 +125,9 @@
     <p:ext uri="{EFAFB233-063F-42B5-8137-9DF3F51BA10A}">
       <p15:sldGuideLst xmlns:p15="http://schemas.microsoft.com/office/powerpoint/2012/main"/>
     </p:ext>
+    <p:ext uri="{2D200454-40CA-4A62-9FC3-DE9A4176ACB9}">
+      <p15:notesGuideLst xmlns:p15="http://schemas.microsoft.com/office/powerpoint/2012/main"/>
+    </p:ext>
   </p:extLst>
 </p:presentation>
 </file>
@@ -223,7 +226,7 @@
           <a:p>
             <a:fld id="{E8F1BDC4-D473-4141-B476-7160C364B2C1}" type="datetimeFigureOut">
               <a:rPr lang="en-US" smtClean="0"/>
-              <a:t>10/7/19</a:t>
+              <a:t>4/29/20</a:t>
             </a:fld>
             <a:endParaRPr lang="en-US"/>
           </a:p>
@@ -400,7 +403,7 @@
           <a:p>
             <a:fld id="{8E2AF386-D9B5-914C-8493-A8BF64971680}" type="datetimeFigureOut">
               <a:rPr lang="en-US" smtClean="0"/>
-              <a:t>10/7/19</a:t>
+              <a:t>4/29/20</a:t>
             </a:fld>
             <a:endParaRPr lang="en-US"/>
           </a:p>
@@ -804,7 +807,7 @@
           <a:p>
             <a:fld id="{E8AF340B-23B4-684C-B8EC-D426936A5FC5}" type="datetime1">
               <a:rPr lang="en-US" smtClean="0"/>
-              <a:t>10/7/19</a:t>
+              <a:t>4/29/20</a:t>
             </a:fld>
             <a:endParaRPr lang="en-US"/>
           </a:p>
@@ -913,7 +916,7 @@
           <a:p>
             <a:fld id="{3C970C37-AD79-E349-B07D-35CC4610EA7A}" type="datetime1">
               <a:rPr lang="en-US" smtClean="0"/>
-              <a:t>10/7/19</a:t>
+              <a:t>4/29/20</a:t>
             </a:fld>
             <a:endParaRPr lang="en-US"/>
           </a:p>
@@ -987,7 +990,7 @@
         </p:nvSpPr>
         <p:spPr>
           <a:xfrm>
-            <a:off x="1" y="4111732"/>
+            <a:off x="0" y="4678401"/>
             <a:ext cx="9143999" cy="553998"/>
           </a:xfrm>
           <a:prstGeom prst="rect">
@@ -1042,8 +1045,8 @@
         </p:blipFill>
         <p:spPr>
           <a:xfrm>
-            <a:off x="1297432" y="1976120"/>
-            <a:ext cx="6549136" cy="1452880"/>
+            <a:off x="2854279" y="920800"/>
+            <a:ext cx="3435439" cy="3218257"/>
           </a:xfrm>
           <a:prstGeom prst="rect">
             <a:avLst/>
@@ -1228,7 +1231,7 @@
           <a:p>
             <a:fld id="{3EBF5576-2F29-084A-BAF6-BC37DA09959A}" type="datetime1">
               <a:rPr lang="en-US" smtClean="0"/>
-              <a:t>10/7/19</a:t>
+              <a:t>4/29/20</a:t>
             </a:fld>
             <a:endParaRPr lang="en-US"/>
           </a:p>
@@ -1342,10 +1345,10 @@
       </p:sp>
       <p:pic>
         <p:nvPicPr>
-          <p:cNvPr id="11" name="Picture 10">
+          <p:cNvPr id="9" name="Picture 7">
             <a:extLst>
               <a:ext uri="{FF2B5EF4-FFF2-40B4-BE49-F238E27FC236}">
-                <a16:creationId xmlns:a16="http://schemas.microsoft.com/office/drawing/2014/main" id="{6E8F3EE9-1518-1A41-82CD-DD5D046685CE}"/>
+                <a16:creationId xmlns:a16="http://schemas.microsoft.com/office/drawing/2014/main" id="{0E85F606-2080-8949-B523-B39CC79C39D7}"/>
               </a:ext>
             </a:extLst>
           </p:cNvPr>
@@ -1355,15 +1358,20 @@
           <p:nvPr userDrawn="1"/>
         </p:nvPicPr>
         <p:blipFill>
-          <a:blip r:embed="rId2"/>
-          <a:stretch>
-            <a:fillRect/>
-          </a:stretch>
+          <a:blip r:embed="rId2">
+            <a:extLst>
+              <a:ext uri="{96DAC541-7B7A-43D3-8B79-37D633B846F1}">
+                <asvg:svgBlip xmlns:asvg="http://schemas.microsoft.com/office/drawing/2016/SVG/main" r:embed="rId3"/>
+              </a:ext>
+            </a:extLst>
+          </a:blip>
+          <a:srcRect/>
+          <a:stretch/>
         </p:blipFill>
         <p:spPr>
           <a:xfrm>
-            <a:off x="628650" y="6478232"/>
-            <a:ext cx="3088386" cy="269367"/>
+            <a:off x="628650" y="6492874"/>
+            <a:ext cx="2949186" cy="269367"/>
           </a:xfrm>
           <a:prstGeom prst="rect">
             <a:avLst/>
@@ -1431,7 +1439,7 @@
           <a:p>
             <a:fld id="{6DF5693A-9D9F-874D-BD81-6916B5259C82}" type="datetime1">
               <a:rPr lang="en-US" smtClean="0"/>
-              <a:t>10/7/19</a:t>
+              <a:t>4/29/20</a:t>
             </a:fld>
             <a:endParaRPr lang="en-US"/>
           </a:p>
@@ -1505,7 +1513,7 @@
         </p:nvSpPr>
         <p:spPr>
           <a:xfrm>
-            <a:off x="1" y="4111732"/>
+            <a:off x="1" y="4772527"/>
             <a:ext cx="9143999" cy="553998"/>
           </a:xfrm>
           <a:prstGeom prst="rect">
@@ -1548,20 +1556,14 @@
           <p:nvPr userDrawn="1"/>
         </p:nvPicPr>
         <p:blipFill>
-          <a:blip r:embed="rId2">
-            <a:extLst>
-              <a:ext uri="{96DAC541-7B7A-43D3-8B79-37D633B846F1}">
-                <asvg:svgBlip xmlns:asvg="http://schemas.microsoft.com/office/drawing/2016/SVG/main" r:embed="rId3"/>
-              </a:ext>
-            </a:extLst>
-          </a:blip>
+          <a:blip r:embed="rId2"/>
           <a:srcRect/>
           <a:stretch/>
         </p:blipFill>
         <p:spPr>
           <a:xfrm>
-            <a:off x="1297432" y="1976120"/>
-            <a:ext cx="6549136" cy="1452880"/>
+            <a:off x="3100698" y="1226679"/>
+            <a:ext cx="2942606" cy="3081528"/>
           </a:xfrm>
           <a:prstGeom prst="rect">
             <a:avLst/>
@@ -1780,7 +1782,7 @@
           <a:p>
             <a:fld id="{BC3DFE8D-3E6A-5B46-B8FF-0F57A12A3DFB}" type="datetime1">
               <a:rPr lang="en-US" smtClean="0"/>
-              <a:t>10/7/19</a:t>
+              <a:t>4/29/20</a:t>
             </a:fld>
             <a:endParaRPr lang="en-US"/>
           </a:p>
@@ -2031,7 +2033,7 @@
           <a:p>
             <a:fld id="{54D962AB-DF7D-CD4A-8861-10BB62196CA5}" type="datetime1">
               <a:rPr lang="en-US" smtClean="0"/>
-              <a:t>10/7/19</a:t>
+              <a:t>4/29/20</a:t>
             </a:fld>
             <a:endParaRPr lang="en-US"/>
           </a:p>
@@ -2332,7 +2334,7 @@
           <a:p>
             <a:fld id="{8AE851C2-B8DF-5A40-A441-7FD4204D3AA3}" type="datetime1">
               <a:rPr lang="en-US" smtClean="0"/>
-              <a:t>10/7/19</a:t>
+              <a:t>4/29/20</a:t>
             </a:fld>
             <a:endParaRPr lang="en-US"/>
           </a:p>
@@ -2774,7 +2776,7 @@
           <a:p>
             <a:fld id="{6DAA91EC-0423-9245-8478-1F1C8A7ABFDA}" type="datetime1">
               <a:rPr lang="en-US" smtClean="0"/>
-              <a:t>10/7/19</a:t>
+              <a:t>4/29/20</a:t>
             </a:fld>
             <a:endParaRPr lang="en-US" dirty="0"/>
           </a:p>
@@ -2899,7 +2901,7 @@
           <a:p>
             <a:fld id="{05F3943F-129F-9440-B5EA-5D141BEF407A}" type="datetime1">
               <a:rPr lang="en-US" smtClean="0"/>
-              <a:t>10/7/19</a:t>
+              <a:t>4/29/20</a:t>
             </a:fld>
             <a:endParaRPr lang="en-US"/>
           </a:p>
@@ -2994,7 +2996,7 @@
           <a:p>
             <a:fld id="{2A3DBC24-D97D-104D-AB3C-6FB338CD8E3C}" type="datetime1">
               <a:rPr lang="en-US" smtClean="0"/>
-              <a:t>10/7/19</a:t>
+              <a:t>4/29/20</a:t>
             </a:fld>
             <a:endParaRPr lang="en-US"/>
           </a:p>
@@ -3273,7 +3275,7 @@
           <a:p>
             <a:fld id="{56F21BF1-8E78-A74E-969F-420DA241A170}" type="datetime1">
               <a:rPr lang="en-US" smtClean="0"/>
-              <a:t>10/7/19</a:t>
+              <a:t>4/29/20</a:t>
             </a:fld>
             <a:endParaRPr lang="en-US"/>
           </a:p>
@@ -3533,7 +3535,7 @@
           <a:p>
             <a:fld id="{B6A04FB5-B5E3-4742-8ED7-1012E73CA0DB}" type="datetime1">
               <a:rPr lang="en-US" smtClean="0"/>
-              <a:t>10/7/19</a:t>
+              <a:t>4/29/20</a:t>
             </a:fld>
             <a:endParaRPr lang="en-US"/>
           </a:p>
@@ -3799,7 +3801,7 @@
             <a:fld id="{6447BD8A-9C80-EE4C-A3EE-F1A3AE422B1F}" type="datetime1">
               <a:rPr lang="en-US" smtClean="0"/>
               <a:pPr/>
-              <a:t>10/7/19</a:t>
+              <a:t>4/29/20</a:t>
             </a:fld>
             <a:endParaRPr lang="en-US" dirty="0"/>
           </a:p>
@@ -3899,15 +3901,20 @@
           <p:nvPr userDrawn="1"/>
         </p:nvPicPr>
         <p:blipFill>
-          <a:blip r:embed="rId14"/>
-          <a:stretch>
-            <a:fillRect/>
-          </a:stretch>
+          <a:blip r:embed="rId14">
+            <a:extLst>
+              <a:ext uri="{96DAC541-7B7A-43D3-8B79-37D633B846F1}">
+                <asvg:svgBlip xmlns:asvg="http://schemas.microsoft.com/office/drawing/2016/SVG/main" r:embed="rId15"/>
+              </a:ext>
+            </a:extLst>
+          </a:blip>
+          <a:srcRect/>
+          <a:stretch/>
         </p:blipFill>
         <p:spPr>
           <a:xfrm>
-            <a:off x="628650" y="6478232"/>
-            <a:ext cx="3088386" cy="269367"/>
+            <a:off x="628650" y="6492874"/>
+            <a:ext cx="2949186" cy="269367"/>
           </a:xfrm>
           <a:prstGeom prst="rect">
             <a:avLst/>
